--- a/Simple Battle.pptx
+++ b/Simple Battle.pptx
@@ -766,7 +766,7 @@
           <a:p>
             <a:fld id="{0FA23B7F-B0A4-4548-866A-1C343862BBF1}" type="datetimeFigureOut">
               <a:rPr lang="en-US" smtClean="0"/>
-              <a:t>11/25/2024</a:t>
+              <a:t>11/26/2024</a:t>
             </a:fld>
             <a:endParaRPr lang="en-CA"/>
           </a:p>
@@ -932,7 +932,7 @@
           <a:p>
             <a:fld id="{7466FCE3-F006-44F4-AB45-D076B47EC6C4}" type="datetimeFigureOut">
               <a:rPr lang="en-US" smtClean="0"/>
-              <a:t>11/25/2024</a:t>
+              <a:t>11/26/2024</a:t>
             </a:fld>
             <a:endParaRPr lang="en-US"/>
           </a:p>
@@ -4928,8 +4928,13 @@
           <a:p>
             <a:r>
               <a:rPr lang="en-US" dirty="0"/>
-              <a:t>Manages the turn-based combat mechanics</a:t>
-            </a:r>
+              <a:t>Manages the </a:t>
+            </a:r>
+            <a:r>
+              <a:rPr lang="en-US"/>
+              <a:t>turn-based combat</a:t>
+            </a:r>
+            <a:endParaRPr lang="en-US" dirty="0"/>
           </a:p>
           <a:p>
             <a:r>
